--- a/Presentation/Capstone_PPT.pptx
+++ b/Presentation/Capstone_PPT.pptx
@@ -302,7 +302,7 @@
           <a:p>
             <a:fld id="{2B307B16-FA5E-453B-977D-B41EB3D549DC}" type="datetimeFigureOut">
               <a:rPr lang="en-IN" smtClean="0"/>
-              <a:t>28-11-2025</a:t>
+              <a:t>29-11-2025</a:t>
             </a:fld>
             <a:endParaRPr lang="en-IN" dirty="0"/>
           </a:p>
@@ -502,7 +502,7 @@
           <a:p>
             <a:fld id="{2B307B16-FA5E-453B-977D-B41EB3D549DC}" type="datetimeFigureOut">
               <a:rPr lang="en-IN" smtClean="0"/>
-              <a:t>28-11-2025</a:t>
+              <a:t>29-11-2025</a:t>
             </a:fld>
             <a:endParaRPr lang="en-IN" dirty="0"/>
           </a:p>
@@ -712,7 +712,7 @@
           <a:p>
             <a:fld id="{2B307B16-FA5E-453B-977D-B41EB3D549DC}" type="datetimeFigureOut">
               <a:rPr lang="en-IN" smtClean="0"/>
-              <a:t>28-11-2025</a:t>
+              <a:t>29-11-2025</a:t>
             </a:fld>
             <a:endParaRPr lang="en-IN" dirty="0"/>
           </a:p>
@@ -912,7 +912,7 @@
           <a:p>
             <a:fld id="{2B307B16-FA5E-453B-977D-B41EB3D549DC}" type="datetimeFigureOut">
               <a:rPr lang="en-IN" smtClean="0"/>
-              <a:t>28-11-2025</a:t>
+              <a:t>29-11-2025</a:t>
             </a:fld>
             <a:endParaRPr lang="en-IN" dirty="0"/>
           </a:p>
@@ -1188,7 +1188,7 @@
           <a:p>
             <a:fld id="{2B307B16-FA5E-453B-977D-B41EB3D549DC}" type="datetimeFigureOut">
               <a:rPr lang="en-IN" smtClean="0"/>
-              <a:t>28-11-2025</a:t>
+              <a:t>29-11-2025</a:t>
             </a:fld>
             <a:endParaRPr lang="en-IN" dirty="0"/>
           </a:p>
@@ -1456,7 +1456,7 @@
           <a:p>
             <a:fld id="{2B307B16-FA5E-453B-977D-B41EB3D549DC}" type="datetimeFigureOut">
               <a:rPr lang="en-IN" smtClean="0"/>
-              <a:t>28-11-2025</a:t>
+              <a:t>29-11-2025</a:t>
             </a:fld>
             <a:endParaRPr lang="en-IN" dirty="0"/>
           </a:p>
@@ -1871,7 +1871,7 @@
           <a:p>
             <a:fld id="{2B307B16-FA5E-453B-977D-B41EB3D549DC}" type="datetimeFigureOut">
               <a:rPr lang="en-IN" smtClean="0"/>
-              <a:t>28-11-2025</a:t>
+              <a:t>29-11-2025</a:t>
             </a:fld>
             <a:endParaRPr lang="en-IN" dirty="0"/>
           </a:p>
@@ -2013,7 +2013,7 @@
           <a:p>
             <a:fld id="{2B307B16-FA5E-453B-977D-B41EB3D549DC}" type="datetimeFigureOut">
               <a:rPr lang="en-IN" smtClean="0"/>
-              <a:t>28-11-2025</a:t>
+              <a:t>29-11-2025</a:t>
             </a:fld>
             <a:endParaRPr lang="en-IN" dirty="0"/>
           </a:p>
@@ -2126,7 +2126,7 @@
           <a:p>
             <a:fld id="{2B307B16-FA5E-453B-977D-B41EB3D549DC}" type="datetimeFigureOut">
               <a:rPr lang="en-IN" smtClean="0"/>
-              <a:t>28-11-2025</a:t>
+              <a:t>29-11-2025</a:t>
             </a:fld>
             <a:endParaRPr lang="en-IN" dirty="0"/>
           </a:p>
@@ -2439,7 +2439,7 @@
           <a:p>
             <a:fld id="{2B307B16-FA5E-453B-977D-B41EB3D549DC}" type="datetimeFigureOut">
               <a:rPr lang="en-IN" smtClean="0"/>
-              <a:t>28-11-2025</a:t>
+              <a:t>29-11-2025</a:t>
             </a:fld>
             <a:endParaRPr lang="en-IN" dirty="0"/>
           </a:p>
@@ -2728,7 +2728,7 @@
           <a:p>
             <a:fld id="{2B307B16-FA5E-453B-977D-B41EB3D549DC}" type="datetimeFigureOut">
               <a:rPr lang="en-IN" smtClean="0"/>
-              <a:t>28-11-2025</a:t>
+              <a:t>29-11-2025</a:t>
             </a:fld>
             <a:endParaRPr lang="en-IN" dirty="0"/>
           </a:p>
@@ -2971,7 +2971,7 @@
           <a:p>
             <a:fld id="{2B307B16-FA5E-453B-977D-B41EB3D549DC}" type="datetimeFigureOut">
               <a:rPr lang="en-IN" smtClean="0"/>
-              <a:t>28-11-2025</a:t>
+              <a:t>29-11-2025</a:t>
             </a:fld>
             <a:endParaRPr lang="en-IN" dirty="0"/>
           </a:p>
@@ -34703,8 +34703,8 @@
         </p:nvSpPr>
         <p:spPr>
           <a:xfrm>
-            <a:off x="412953" y="1808959"/>
-            <a:ext cx="11366090" cy="4524315"/>
+            <a:off x="412953" y="1631288"/>
+            <a:ext cx="11366090" cy="5016758"/>
           </a:xfrm>
           <a:prstGeom prst="rect">
             <a:avLst/>
@@ -34912,12 +34912,43 @@
             </a:pPr>
             <a:r>
               <a:rPr lang="en-IN" sz="1600" b="1" dirty="0"/>
-              <a:t>Code:			</a:t>
-            </a:r>
+              <a:t>Code:</a:t>
+            </a:r>
+          </a:p>
+          <a:p>
+            <a:pPr>
+              <a:buNone/>
+            </a:pPr>
+            <a:endParaRPr lang="en-IN" sz="1600" b="1" dirty="0"/>
+          </a:p>
+          <a:p>
+            <a:pPr>
+              <a:buNone/>
+            </a:pPr>
             <a:r>
               <a:rPr lang="en-IN" sz="1600" dirty="0"/>
-              <a:t>GitHub → notebooks/1_Return_Prediction.ipynb</a:t>
-            </a:r>
+              <a:t>GitHub → </a:t>
+            </a:r>
+            <a:r>
+              <a:rPr lang="en-IN" sz="1600" dirty="0">
+                <a:solidFill>
+                  <a:schemeClr val="accent1"/>
+                </a:solidFill>
+                <a:hlinkClick r:id="rId2">
+                  <a:extLst>
+                    <a:ext uri="{A12FA001-AC4F-418D-AE19-62706E023703}">
+                      <ahyp:hlinkClr xmlns:ahyp="http://schemas.microsoft.com/office/drawing/2018/hyperlinkcolor" val="tx"/>
+                    </a:ext>
+                  </a:extLst>
+                </a:hlinkClick>
+              </a:rPr>
+              <a:t>https://github.com/parvej1-7alam/WsCube-DAMP-ML-Capstone/blob/main/Notebooks/ML_Capstone_Part1.ipynb</a:t>
+            </a:r>
+            <a:endParaRPr lang="en-IN" sz="1600" dirty="0">
+              <a:solidFill>
+                <a:schemeClr val="accent1"/>
+              </a:solidFill>
+            </a:endParaRPr>
           </a:p>
         </p:txBody>
       </p:sp>
@@ -35679,7 +35710,7 @@
         </p:nvSpPr>
         <p:spPr>
           <a:xfrm>
-            <a:off x="2063542" y="926673"/>
+            <a:off x="2063542" y="787883"/>
             <a:ext cx="8064912" cy="584775"/>
           </a:xfrm>
           <a:prstGeom prst="rect">
@@ -35715,8 +35746,8 @@
         </p:nvSpPr>
         <p:spPr>
           <a:xfrm>
-            <a:off x="309714" y="1632550"/>
-            <a:ext cx="11572568" cy="5016758"/>
+            <a:off x="309714" y="1269821"/>
+            <a:ext cx="11572568" cy="5509200"/>
           </a:xfrm>
           <a:prstGeom prst="rect">
             <a:avLst/>
@@ -35924,12 +35955,43 @@
             </a:pPr>
             <a:r>
               <a:rPr lang="en-IN" sz="1600" b="1" dirty="0"/>
-              <a:t>Code:			</a:t>
-            </a:r>
+              <a:t>Code:</a:t>
+            </a:r>
+          </a:p>
+          <a:p>
+            <a:pPr>
+              <a:buNone/>
+            </a:pPr>
+            <a:endParaRPr lang="en-IN" sz="1600" b="1" dirty="0"/>
+          </a:p>
+          <a:p>
+            <a:pPr>
+              <a:buNone/>
+            </a:pPr>
             <a:r>
               <a:rPr lang="en-IN" sz="1600" dirty="0"/>
-              <a:t>GitHub → notebooks/1_Return_Prediction.ipynb</a:t>
-            </a:r>
+              <a:t>GitHub → </a:t>
+            </a:r>
+            <a:r>
+              <a:rPr lang="en-IN" sz="1600" dirty="0">
+                <a:solidFill>
+                  <a:schemeClr val="accent1"/>
+                </a:solidFill>
+                <a:hlinkClick r:id="rId2">
+                  <a:extLst>
+                    <a:ext uri="{A12FA001-AC4F-418D-AE19-62706E023703}">
+                      <ahyp:hlinkClr xmlns:ahyp="http://schemas.microsoft.com/office/drawing/2018/hyperlinkcolor" val="tx"/>
+                    </a:ext>
+                  </a:extLst>
+                </a:hlinkClick>
+              </a:rPr>
+              <a:t>https://github.com/parvej1-7alam/WsCube-DAMP-ML-Capstone/blob/main/Notebooks/ML_Capstone_Part2.ipynb</a:t>
+            </a:r>
+            <a:endParaRPr lang="en-IN" sz="1600" dirty="0">
+              <a:solidFill>
+                <a:schemeClr val="accent1"/>
+              </a:solidFill>
+            </a:endParaRPr>
           </a:p>
         </p:txBody>
       </p:sp>
